--- a/PowerPoint/13 - Subprograms.pptx
+++ b/PowerPoint/13 - Subprograms.pptx
@@ -33583,25 +33583,11 @@
               <a:t>public void emit() throws </a:t>
             </a:r>
             <a:r>
-              <a:rPr lang="en-US" sz="1800" dirty="0" err="1">
+              <a:rPr lang="en-US" sz="1800">
                 <a:latin typeface="Consolas" pitchFamily="49" charset="0"/>
                 <a:cs typeface="Consolas" pitchFamily="49" charset="0"/>
               </a:rPr>
               <a:t>CodeGenException</a:t>
-            </a:r>
-            <a:r>
-              <a:rPr lang="en-US" sz="1800" dirty="0">
-                <a:latin typeface="Consolas" pitchFamily="49" charset="0"/>
-                <a:cs typeface="Consolas" pitchFamily="49" charset="0"/>
-              </a:rPr>
-              <a:t>, </a:t>
-            </a:r>
-            <a:r>
-              <a:rPr lang="en-US" sz="1800" dirty="0" err="1">
-                <a:latin typeface="Consolas" pitchFamily="49" charset="0"/>
-                <a:cs typeface="Consolas" pitchFamily="49" charset="0"/>
-              </a:rPr>
-              <a:t>IOException</a:t>
             </a:r>
             <a:endParaRPr lang="en-US" sz="1800" dirty="0">
               <a:latin typeface="Consolas" pitchFamily="49" charset="0"/>
